--- a/poster/singleslide.pptx
+++ b/poster/singleslide.pptx
@@ -192,7 +192,7 @@
           <a:p>
             <a:fld id="{F076B4F4-2737-0C44-9FC5-8D4151388635}" type="datetimeFigureOut">
               <a:rPr lang="en-US" smtClean="0"/>
-              <a:t>5/6/15</a:t>
+              <a:t>5/7/15</a:t>
             </a:fld>
             <a:endParaRPr lang="en-US"/>
           </a:p>
@@ -526,20 +526,32 @@
             </a:r>
             <a:r>
               <a:rPr lang="en-US" baseline="0" dirty="0" smtClean="0"/>
-              <a:t> Local Lemma.  Prior work in the CS theory community has given sufficient conditions for it to work well for certain problems in a very stylized parallel computing environment.  Of course, k-SAT is NP-complete, so there must be instances that the algorithm cannot handle efficiently, but that doesn’t mean it can’t be useful.  We were interested to see what kinds of problems we could solve using this algorithm in real distributed systems, so we implemented it in Julia and in MPI for Python and ran it on some random k-SAT instances.  So, basically, come see our poster to find out if P is approximately equal </a:t>
-            </a:r>
-            <a:r>
-              <a:rPr lang="en-US" baseline="0" smtClean="0"/>
-              <a:t>to NP </a:t>
-            </a:r>
-            <a:r>
-              <a:rPr lang="en-US" baseline="0" smtClean="0">
+              <a:t> Local Lemma. </a:t>
+            </a:r>
+            <a:r>
+              <a:rPr lang="en-US" baseline="0" dirty="0" smtClean="0"/>
+              <a:t>Of course, k-SAT is NP-complete, so there must be instances that the algorithm cannot handle efficiently, but that doesn’t mean it can’t be useful. Prior </a:t>
+            </a:r>
+            <a:r>
+              <a:rPr lang="en-US" baseline="0" dirty="0" smtClean="0"/>
+              <a:t>work in the CS theory community has given sufficient conditions for it to work well for certain problems in a very stylized parallel computing environment. </a:t>
+            </a:r>
+            <a:r>
+              <a:rPr lang="en-US" baseline="0" dirty="0" smtClean="0"/>
+              <a:t>We </a:t>
+            </a:r>
+            <a:r>
+              <a:rPr lang="en-US" baseline="0" dirty="0" smtClean="0"/>
+              <a:t>were interested to see what kinds of problems we could solve using this algorithm in real distributed systems, so we implemented it in Julia and in MPI for Python and ran it on some random k-SAT instances.  So, basically, come see our poster to find out if P is approximately equal to NP </a:t>
+            </a:r>
+            <a:r>
+              <a:rPr lang="en-US" baseline="0" dirty="0" smtClean="0">
                 <a:sym typeface="Wingdings"/>
               </a:rPr>
               <a:t></a:t>
             </a:r>
             <a:r>
-              <a:rPr lang="en-US" baseline="0" smtClean="0"/>
+              <a:rPr lang="en-US" baseline="0" dirty="0" smtClean="0"/>
               <a:t>.</a:t>
             </a:r>
             <a:endParaRPr lang="en-US" dirty="0"/>
@@ -763,7 +775,7 @@
           <a:p>
             <a:fld id="{A0C489D2-894B-9B44-8BB9-4CDA64AE3F80}" type="datetimeFigureOut">
               <a:rPr lang="en-US" smtClean="0"/>
-              <a:t>5/6/15</a:t>
+              <a:t>5/7/15</a:t>
             </a:fld>
             <a:endParaRPr lang="en-US"/>
           </a:p>
@@ -933,7 +945,7 @@
           <a:p>
             <a:fld id="{A0C489D2-894B-9B44-8BB9-4CDA64AE3F80}" type="datetimeFigureOut">
               <a:rPr lang="en-US" smtClean="0"/>
-              <a:t>5/6/15</a:t>
+              <a:t>5/7/15</a:t>
             </a:fld>
             <a:endParaRPr lang="en-US"/>
           </a:p>
@@ -1113,7 +1125,7 @@
           <a:p>
             <a:fld id="{A0C489D2-894B-9B44-8BB9-4CDA64AE3F80}" type="datetimeFigureOut">
               <a:rPr lang="en-US" smtClean="0"/>
-              <a:t>5/6/15</a:t>
+              <a:t>5/7/15</a:t>
             </a:fld>
             <a:endParaRPr lang="en-US"/>
           </a:p>
@@ -1283,7 +1295,7 @@
           <a:p>
             <a:fld id="{A0C489D2-894B-9B44-8BB9-4CDA64AE3F80}" type="datetimeFigureOut">
               <a:rPr lang="en-US" smtClean="0"/>
-              <a:t>5/6/15</a:t>
+              <a:t>5/7/15</a:t>
             </a:fld>
             <a:endParaRPr lang="en-US"/>
           </a:p>
@@ -1529,7 +1541,7 @@
           <a:p>
             <a:fld id="{A0C489D2-894B-9B44-8BB9-4CDA64AE3F80}" type="datetimeFigureOut">
               <a:rPr lang="en-US" smtClean="0"/>
-              <a:t>5/6/15</a:t>
+              <a:t>5/7/15</a:t>
             </a:fld>
             <a:endParaRPr lang="en-US"/>
           </a:p>
@@ -1817,7 +1829,7 @@
           <a:p>
             <a:fld id="{A0C489D2-894B-9B44-8BB9-4CDA64AE3F80}" type="datetimeFigureOut">
               <a:rPr lang="en-US" smtClean="0"/>
-              <a:t>5/6/15</a:t>
+              <a:t>5/7/15</a:t>
             </a:fld>
             <a:endParaRPr lang="en-US"/>
           </a:p>
@@ -2239,7 +2251,7 @@
           <a:p>
             <a:fld id="{A0C489D2-894B-9B44-8BB9-4CDA64AE3F80}" type="datetimeFigureOut">
               <a:rPr lang="en-US" smtClean="0"/>
-              <a:t>5/6/15</a:t>
+              <a:t>5/7/15</a:t>
             </a:fld>
             <a:endParaRPr lang="en-US"/>
           </a:p>
@@ -2357,7 +2369,7 @@
           <a:p>
             <a:fld id="{A0C489D2-894B-9B44-8BB9-4CDA64AE3F80}" type="datetimeFigureOut">
               <a:rPr lang="en-US" smtClean="0"/>
-              <a:t>5/6/15</a:t>
+              <a:t>5/7/15</a:t>
             </a:fld>
             <a:endParaRPr lang="en-US"/>
           </a:p>
@@ -2452,7 +2464,7 @@
           <a:p>
             <a:fld id="{A0C489D2-894B-9B44-8BB9-4CDA64AE3F80}" type="datetimeFigureOut">
               <a:rPr lang="en-US" smtClean="0"/>
-              <a:t>5/6/15</a:t>
+              <a:t>5/7/15</a:t>
             </a:fld>
             <a:endParaRPr lang="en-US"/>
           </a:p>
@@ -2729,7 +2741,7 @@
           <a:p>
             <a:fld id="{A0C489D2-894B-9B44-8BB9-4CDA64AE3F80}" type="datetimeFigureOut">
               <a:rPr lang="en-US" smtClean="0"/>
-              <a:t>5/6/15</a:t>
+              <a:t>5/7/15</a:t>
             </a:fld>
             <a:endParaRPr lang="en-US"/>
           </a:p>
@@ -2982,7 +2994,7 @@
           <a:p>
             <a:fld id="{A0C489D2-894B-9B44-8BB9-4CDA64AE3F80}" type="datetimeFigureOut">
               <a:rPr lang="en-US" smtClean="0"/>
-              <a:t>5/6/15</a:t>
+              <a:t>5/7/15</a:t>
             </a:fld>
             <a:endParaRPr lang="en-US"/>
           </a:p>
@@ -3195,7 +3207,7 @@
           <a:p>
             <a:fld id="{A0C489D2-894B-9B44-8BB9-4CDA64AE3F80}" type="datetimeFigureOut">
               <a:rPr lang="en-US" smtClean="0"/>
-              <a:t>5/6/15</a:t>
+              <a:t>5/7/15</a:t>
             </a:fld>
             <a:endParaRPr lang="en-US"/>
           </a:p>
